--- a/Game design document farmGochi.pptx
+++ b/Game design document farmGochi.pptx
@@ -305,7 +305,7 @@
           <a:p>
             <a:fld id="{2F54806A-FD19-4D27-8662-34B51A723430}" type="datetimeFigureOut">
               <a:rPr lang="es-CL" smtClean="0"/>
-              <a:t>27-04-2022</a:t>
+              <a:t>03-05-2022</a:t>
             </a:fld>
             <a:endParaRPr lang="es-CL"/>
           </a:p>
@@ -580,7 +580,7 @@
           <a:p>
             <a:fld id="{2F54806A-FD19-4D27-8662-34B51A723430}" type="datetimeFigureOut">
               <a:rPr lang="es-CL" smtClean="0"/>
-              <a:t>27-04-2022</a:t>
+              <a:t>03-05-2022</a:t>
             </a:fld>
             <a:endParaRPr lang="es-CL"/>
           </a:p>
@@ -774,7 +774,7 @@
           <a:p>
             <a:fld id="{2F54806A-FD19-4D27-8662-34B51A723430}" type="datetimeFigureOut">
               <a:rPr lang="es-CL" smtClean="0"/>
-              <a:t>27-04-2022</a:t>
+              <a:t>03-05-2022</a:t>
             </a:fld>
             <a:endParaRPr lang="es-CL"/>
           </a:p>
@@ -1047,7 +1047,7 @@
           <a:p>
             <a:fld id="{2F54806A-FD19-4D27-8662-34B51A723430}" type="datetimeFigureOut">
               <a:rPr lang="es-CL" smtClean="0"/>
-              <a:t>27-04-2022</a:t>
+              <a:t>03-05-2022</a:t>
             </a:fld>
             <a:endParaRPr lang="es-CL"/>
           </a:p>
@@ -1388,7 +1388,7 @@
           <a:p>
             <a:fld id="{2F54806A-FD19-4D27-8662-34B51A723430}" type="datetimeFigureOut">
               <a:rPr lang="es-CL" smtClean="0"/>
-              <a:t>27-04-2022</a:t>
+              <a:t>03-05-2022</a:t>
             </a:fld>
             <a:endParaRPr lang="es-CL"/>
           </a:p>
@@ -2011,7 +2011,7 @@
           <a:p>
             <a:fld id="{2F54806A-FD19-4D27-8662-34B51A723430}" type="datetimeFigureOut">
               <a:rPr lang="es-CL" smtClean="0"/>
-              <a:t>27-04-2022</a:t>
+              <a:t>03-05-2022</a:t>
             </a:fld>
             <a:endParaRPr lang="es-CL"/>
           </a:p>
@@ -2871,7 +2871,7 @@
           <a:p>
             <a:fld id="{2F54806A-FD19-4D27-8662-34B51A723430}" type="datetimeFigureOut">
               <a:rPr lang="es-CL" smtClean="0"/>
-              <a:t>27-04-2022</a:t>
+              <a:t>03-05-2022</a:t>
             </a:fld>
             <a:endParaRPr lang="es-CL"/>
           </a:p>
@@ -3041,7 +3041,7 @@
           <a:p>
             <a:fld id="{2F54806A-FD19-4D27-8662-34B51A723430}" type="datetimeFigureOut">
               <a:rPr lang="es-CL" smtClean="0"/>
-              <a:t>27-04-2022</a:t>
+              <a:t>03-05-2022</a:t>
             </a:fld>
             <a:endParaRPr lang="es-CL"/>
           </a:p>
@@ -3221,7 +3221,7 @@
           <a:p>
             <a:fld id="{2F54806A-FD19-4D27-8662-34B51A723430}" type="datetimeFigureOut">
               <a:rPr lang="es-CL" smtClean="0"/>
-              <a:t>27-04-2022</a:t>
+              <a:t>03-05-2022</a:t>
             </a:fld>
             <a:endParaRPr lang="es-CL"/>
           </a:p>
@@ -3391,7 +3391,7 @@
           <a:p>
             <a:fld id="{2F54806A-FD19-4D27-8662-34B51A723430}" type="datetimeFigureOut">
               <a:rPr lang="es-CL" smtClean="0"/>
-              <a:t>27-04-2022</a:t>
+              <a:t>03-05-2022</a:t>
             </a:fld>
             <a:endParaRPr lang="es-CL"/>
           </a:p>
@@ -3638,7 +3638,7 @@
           <a:p>
             <a:fld id="{2F54806A-FD19-4D27-8662-34B51A723430}" type="datetimeFigureOut">
               <a:rPr lang="es-CL" smtClean="0"/>
-              <a:t>27-04-2022</a:t>
+              <a:t>03-05-2022</a:t>
             </a:fld>
             <a:endParaRPr lang="es-CL"/>
           </a:p>
@@ -3930,7 +3930,7 @@
           <a:p>
             <a:fld id="{2F54806A-FD19-4D27-8662-34B51A723430}" type="datetimeFigureOut">
               <a:rPr lang="es-CL" smtClean="0"/>
-              <a:t>27-04-2022</a:t>
+              <a:t>03-05-2022</a:t>
             </a:fld>
             <a:endParaRPr lang="es-CL"/>
           </a:p>
@@ -4374,7 +4374,7 @@
           <a:p>
             <a:fld id="{2F54806A-FD19-4D27-8662-34B51A723430}" type="datetimeFigureOut">
               <a:rPr lang="es-CL" smtClean="0"/>
-              <a:t>27-04-2022</a:t>
+              <a:t>03-05-2022</a:t>
             </a:fld>
             <a:endParaRPr lang="es-CL"/>
           </a:p>
@@ -4492,7 +4492,7 @@
           <a:p>
             <a:fld id="{2F54806A-FD19-4D27-8662-34B51A723430}" type="datetimeFigureOut">
               <a:rPr lang="es-CL" smtClean="0"/>
-              <a:t>27-04-2022</a:t>
+              <a:t>03-05-2022</a:t>
             </a:fld>
             <a:endParaRPr lang="es-CL"/>
           </a:p>
@@ -4587,7 +4587,7 @@
           <a:p>
             <a:fld id="{2F54806A-FD19-4D27-8662-34B51A723430}" type="datetimeFigureOut">
               <a:rPr lang="es-CL" smtClean="0"/>
-              <a:t>27-04-2022</a:t>
+              <a:t>03-05-2022</a:t>
             </a:fld>
             <a:endParaRPr lang="es-CL"/>
           </a:p>
@@ -4866,7 +4866,7 @@
           <a:p>
             <a:fld id="{2F54806A-FD19-4D27-8662-34B51A723430}" type="datetimeFigureOut">
               <a:rPr lang="es-CL" smtClean="0"/>
-              <a:t>27-04-2022</a:t>
+              <a:t>03-05-2022</a:t>
             </a:fld>
             <a:endParaRPr lang="es-CL"/>
           </a:p>
@@ -5141,7 +5141,7 @@
           <a:p>
             <a:fld id="{2F54806A-FD19-4D27-8662-34B51A723430}" type="datetimeFigureOut">
               <a:rPr lang="es-CL" smtClean="0"/>
-              <a:t>27-04-2022</a:t>
+              <a:t>03-05-2022</a:t>
             </a:fld>
             <a:endParaRPr lang="es-CL"/>
           </a:p>
@@ -5570,7 +5570,7 @@
           <a:p>
             <a:fld id="{2F54806A-FD19-4D27-8662-34B51A723430}" type="datetimeFigureOut">
               <a:rPr lang="es-CL" smtClean="0"/>
-              <a:t>27-04-2022</a:t>
+              <a:t>03-05-2022</a:t>
             </a:fld>
             <a:endParaRPr lang="es-CL"/>
           </a:p>
@@ -6844,7 +6844,6 @@
               <a:rPr lang="es-MX" sz="1800" dirty="0" smtClean="0"/>
               <a:t> </a:t>
             </a:r>
-            <a:endParaRPr lang="es-MX" sz="1800" dirty="0" smtClean="0"/>
           </a:p>
           <a:p>
             <a:pPr marL="0" indent="0">
@@ -7146,17 +7145,22 @@
             </a:r>
             <a:r>
               <a:rPr lang="es-MX" sz="1600" dirty="0" smtClean="0"/>
-              <a:t> =&gt; obtiene la hora del pc</a:t>
-            </a:r>
-          </a:p>
-          <a:p>
+              <a:t> =&gt; obtiene la hora del </a:t>
+            </a:r>
             <a:r>
               <a:rPr lang="es-MX" sz="1600" dirty="0" smtClean="0"/>
-              <a:t>1</a:t>
-            </a:r>
+              <a:t>pc para cambiar el fondo  y la </a:t>
+            </a:r>
+            <a:r>
+              <a:rPr lang="es-MX" sz="1600" dirty="0" err="1" smtClean="0"/>
+              <a:t>ui</a:t>
+            </a:r>
+            <a:endParaRPr lang="es-MX" sz="1600" dirty="0" smtClean="0"/>
+          </a:p>
+          <a:p>
             <a:r>
               <a:rPr lang="es-MX" sz="1600" dirty="0" smtClean="0"/>
-              <a:t>. </a:t>
+              <a:t>1. </a:t>
             </a:r>
             <a:r>
               <a:rPr lang="es-MX" sz="1600" dirty="0" err="1" smtClean="0"/>
@@ -7177,7 +7181,6 @@
               <a:rPr lang="es-MX" sz="1600" dirty="0" smtClean="0"/>
               <a:t>()</a:t>
             </a:r>
-            <a:endParaRPr lang="es-MX" sz="1600" dirty="0" smtClean="0"/>
           </a:p>
           <a:p>
             <a:r>
@@ -7203,11 +7206,7 @@
           <a:p>
             <a:r>
               <a:rPr lang="es-MX" sz="1600" dirty="0" smtClean="0"/>
-              <a:t>2</a:t>
-            </a:r>
-            <a:r>
-              <a:rPr lang="es-MX" sz="1600" dirty="0" smtClean="0"/>
-              <a:t>. Granja </a:t>
+              <a:t>2. Granja </a:t>
             </a:r>
             <a:r>
               <a:rPr lang="es-MX" sz="1600" dirty="0" err="1" smtClean="0"/>

--- a/Game design document farmGochi.pptx
+++ b/Game design document farmGochi.pptx
@@ -305,7 +305,7 @@
           <a:p>
             <a:fld id="{2F54806A-FD19-4D27-8662-34B51A723430}" type="datetimeFigureOut">
               <a:rPr lang="es-CL" smtClean="0"/>
-              <a:t>03-05-2022</a:t>
+              <a:t>21-05-2022</a:t>
             </a:fld>
             <a:endParaRPr lang="es-CL"/>
           </a:p>
@@ -580,7 +580,7 @@
           <a:p>
             <a:fld id="{2F54806A-FD19-4D27-8662-34B51A723430}" type="datetimeFigureOut">
               <a:rPr lang="es-CL" smtClean="0"/>
-              <a:t>03-05-2022</a:t>
+              <a:t>21-05-2022</a:t>
             </a:fld>
             <a:endParaRPr lang="es-CL"/>
           </a:p>
@@ -774,7 +774,7 @@
           <a:p>
             <a:fld id="{2F54806A-FD19-4D27-8662-34B51A723430}" type="datetimeFigureOut">
               <a:rPr lang="es-CL" smtClean="0"/>
-              <a:t>03-05-2022</a:t>
+              <a:t>21-05-2022</a:t>
             </a:fld>
             <a:endParaRPr lang="es-CL"/>
           </a:p>
@@ -1047,7 +1047,7 @@
           <a:p>
             <a:fld id="{2F54806A-FD19-4D27-8662-34B51A723430}" type="datetimeFigureOut">
               <a:rPr lang="es-CL" smtClean="0"/>
-              <a:t>03-05-2022</a:t>
+              <a:t>21-05-2022</a:t>
             </a:fld>
             <a:endParaRPr lang="es-CL"/>
           </a:p>
@@ -1388,7 +1388,7 @@
           <a:p>
             <a:fld id="{2F54806A-FD19-4D27-8662-34B51A723430}" type="datetimeFigureOut">
               <a:rPr lang="es-CL" smtClean="0"/>
-              <a:t>03-05-2022</a:t>
+              <a:t>21-05-2022</a:t>
             </a:fld>
             <a:endParaRPr lang="es-CL"/>
           </a:p>
@@ -2011,7 +2011,7 @@
           <a:p>
             <a:fld id="{2F54806A-FD19-4D27-8662-34B51A723430}" type="datetimeFigureOut">
               <a:rPr lang="es-CL" smtClean="0"/>
-              <a:t>03-05-2022</a:t>
+              <a:t>21-05-2022</a:t>
             </a:fld>
             <a:endParaRPr lang="es-CL"/>
           </a:p>
@@ -2871,7 +2871,7 @@
           <a:p>
             <a:fld id="{2F54806A-FD19-4D27-8662-34B51A723430}" type="datetimeFigureOut">
               <a:rPr lang="es-CL" smtClean="0"/>
-              <a:t>03-05-2022</a:t>
+              <a:t>21-05-2022</a:t>
             </a:fld>
             <a:endParaRPr lang="es-CL"/>
           </a:p>
@@ -3041,7 +3041,7 @@
           <a:p>
             <a:fld id="{2F54806A-FD19-4D27-8662-34B51A723430}" type="datetimeFigureOut">
               <a:rPr lang="es-CL" smtClean="0"/>
-              <a:t>03-05-2022</a:t>
+              <a:t>21-05-2022</a:t>
             </a:fld>
             <a:endParaRPr lang="es-CL"/>
           </a:p>
@@ -3221,7 +3221,7 @@
           <a:p>
             <a:fld id="{2F54806A-FD19-4D27-8662-34B51A723430}" type="datetimeFigureOut">
               <a:rPr lang="es-CL" smtClean="0"/>
-              <a:t>03-05-2022</a:t>
+              <a:t>21-05-2022</a:t>
             </a:fld>
             <a:endParaRPr lang="es-CL"/>
           </a:p>
@@ -3391,7 +3391,7 @@
           <a:p>
             <a:fld id="{2F54806A-FD19-4D27-8662-34B51A723430}" type="datetimeFigureOut">
               <a:rPr lang="es-CL" smtClean="0"/>
-              <a:t>03-05-2022</a:t>
+              <a:t>21-05-2022</a:t>
             </a:fld>
             <a:endParaRPr lang="es-CL"/>
           </a:p>
@@ -3638,7 +3638,7 @@
           <a:p>
             <a:fld id="{2F54806A-FD19-4D27-8662-34B51A723430}" type="datetimeFigureOut">
               <a:rPr lang="es-CL" smtClean="0"/>
-              <a:t>03-05-2022</a:t>
+              <a:t>21-05-2022</a:t>
             </a:fld>
             <a:endParaRPr lang="es-CL"/>
           </a:p>
@@ -3930,7 +3930,7 @@
           <a:p>
             <a:fld id="{2F54806A-FD19-4D27-8662-34B51A723430}" type="datetimeFigureOut">
               <a:rPr lang="es-CL" smtClean="0"/>
-              <a:t>03-05-2022</a:t>
+              <a:t>21-05-2022</a:t>
             </a:fld>
             <a:endParaRPr lang="es-CL"/>
           </a:p>
@@ -4374,7 +4374,7 @@
           <a:p>
             <a:fld id="{2F54806A-FD19-4D27-8662-34B51A723430}" type="datetimeFigureOut">
               <a:rPr lang="es-CL" smtClean="0"/>
-              <a:t>03-05-2022</a:t>
+              <a:t>21-05-2022</a:t>
             </a:fld>
             <a:endParaRPr lang="es-CL"/>
           </a:p>
@@ -4492,7 +4492,7 @@
           <a:p>
             <a:fld id="{2F54806A-FD19-4D27-8662-34B51A723430}" type="datetimeFigureOut">
               <a:rPr lang="es-CL" smtClean="0"/>
-              <a:t>03-05-2022</a:t>
+              <a:t>21-05-2022</a:t>
             </a:fld>
             <a:endParaRPr lang="es-CL"/>
           </a:p>
@@ -4587,7 +4587,7 @@
           <a:p>
             <a:fld id="{2F54806A-FD19-4D27-8662-34B51A723430}" type="datetimeFigureOut">
               <a:rPr lang="es-CL" smtClean="0"/>
-              <a:t>03-05-2022</a:t>
+              <a:t>21-05-2022</a:t>
             </a:fld>
             <a:endParaRPr lang="es-CL"/>
           </a:p>
@@ -4866,7 +4866,7 @@
           <a:p>
             <a:fld id="{2F54806A-FD19-4D27-8662-34B51A723430}" type="datetimeFigureOut">
               <a:rPr lang="es-CL" smtClean="0"/>
-              <a:t>03-05-2022</a:t>
+              <a:t>21-05-2022</a:t>
             </a:fld>
             <a:endParaRPr lang="es-CL"/>
           </a:p>
@@ -5141,7 +5141,7 @@
           <a:p>
             <a:fld id="{2F54806A-FD19-4D27-8662-34B51A723430}" type="datetimeFigureOut">
               <a:rPr lang="es-CL" smtClean="0"/>
-              <a:t>03-05-2022</a:t>
+              <a:t>21-05-2022</a:t>
             </a:fld>
             <a:endParaRPr lang="es-CL"/>
           </a:p>
@@ -5570,7 +5570,7 @@
           <a:p>
             <a:fld id="{2F54806A-FD19-4D27-8662-34B51A723430}" type="datetimeFigureOut">
               <a:rPr lang="es-CL" smtClean="0"/>
-              <a:t>03-05-2022</a:t>
+              <a:t>21-05-2022</a:t>
             </a:fld>
             <a:endParaRPr lang="es-CL"/>
           </a:p>
@@ -7021,10 +7021,18 @@
             </a:r>
             <a:r>
               <a:rPr lang="es-MX" dirty="0" smtClean="0"/>
-              <a:t> art ) //ejemplo</a:t>
-            </a:r>
-          </a:p>
-          <a:p>
+              <a:t> art </a:t>
+            </a:r>
+            <a:r>
+              <a:rPr lang="es-MX" dirty="0" smtClean="0"/>
+              <a:t>).</a:t>
+            </a:r>
+          </a:p>
+          <a:p>
+            <a:r>
+              <a:rPr lang="es-MX" dirty="0" smtClean="0"/>
+              <a:t>()</a:t>
+            </a:r>
             <a:endParaRPr lang="es-MX" dirty="0" smtClean="0"/>
           </a:p>
           <a:p>
@@ -7145,11 +7153,7 @@
             </a:r>
             <a:r>
               <a:rPr lang="es-MX" sz="1600" dirty="0" smtClean="0"/>
-              <a:t> =&gt; obtiene la hora del </a:t>
-            </a:r>
-            <a:r>
-              <a:rPr lang="es-MX" sz="1600" dirty="0" smtClean="0"/>
-              <a:t>pc para cambiar el fondo  y la </a:t>
+              <a:t> =&gt; obtiene la hora del pc para cambiar el fondo  y la </a:t>
             </a:r>
             <a:r>
               <a:rPr lang="es-MX" sz="1600" dirty="0" err="1" smtClean="0"/>

--- a/Game design document farmGochi.pptx
+++ b/Game design document farmGochi.pptx
@@ -305,7 +305,7 @@
           <a:p>
             <a:fld id="{2F54806A-FD19-4D27-8662-34B51A723430}" type="datetimeFigureOut">
               <a:rPr lang="es-CL" smtClean="0"/>
-              <a:t>21-05-2022</a:t>
+              <a:t>01-06-2022</a:t>
             </a:fld>
             <a:endParaRPr lang="es-CL"/>
           </a:p>
@@ -580,7 +580,7 @@
           <a:p>
             <a:fld id="{2F54806A-FD19-4D27-8662-34B51A723430}" type="datetimeFigureOut">
               <a:rPr lang="es-CL" smtClean="0"/>
-              <a:t>21-05-2022</a:t>
+              <a:t>01-06-2022</a:t>
             </a:fld>
             <a:endParaRPr lang="es-CL"/>
           </a:p>
@@ -774,7 +774,7 @@
           <a:p>
             <a:fld id="{2F54806A-FD19-4D27-8662-34B51A723430}" type="datetimeFigureOut">
               <a:rPr lang="es-CL" smtClean="0"/>
-              <a:t>21-05-2022</a:t>
+              <a:t>01-06-2022</a:t>
             </a:fld>
             <a:endParaRPr lang="es-CL"/>
           </a:p>
@@ -1047,7 +1047,7 @@
           <a:p>
             <a:fld id="{2F54806A-FD19-4D27-8662-34B51A723430}" type="datetimeFigureOut">
               <a:rPr lang="es-CL" smtClean="0"/>
-              <a:t>21-05-2022</a:t>
+              <a:t>01-06-2022</a:t>
             </a:fld>
             <a:endParaRPr lang="es-CL"/>
           </a:p>
@@ -1388,7 +1388,7 @@
           <a:p>
             <a:fld id="{2F54806A-FD19-4D27-8662-34B51A723430}" type="datetimeFigureOut">
               <a:rPr lang="es-CL" smtClean="0"/>
-              <a:t>21-05-2022</a:t>
+              <a:t>01-06-2022</a:t>
             </a:fld>
             <a:endParaRPr lang="es-CL"/>
           </a:p>
@@ -2011,7 +2011,7 @@
           <a:p>
             <a:fld id="{2F54806A-FD19-4D27-8662-34B51A723430}" type="datetimeFigureOut">
               <a:rPr lang="es-CL" smtClean="0"/>
-              <a:t>21-05-2022</a:t>
+              <a:t>01-06-2022</a:t>
             </a:fld>
             <a:endParaRPr lang="es-CL"/>
           </a:p>
@@ -2871,7 +2871,7 @@
           <a:p>
             <a:fld id="{2F54806A-FD19-4D27-8662-34B51A723430}" type="datetimeFigureOut">
               <a:rPr lang="es-CL" smtClean="0"/>
-              <a:t>21-05-2022</a:t>
+              <a:t>01-06-2022</a:t>
             </a:fld>
             <a:endParaRPr lang="es-CL"/>
           </a:p>
@@ -3041,7 +3041,7 @@
           <a:p>
             <a:fld id="{2F54806A-FD19-4D27-8662-34B51A723430}" type="datetimeFigureOut">
               <a:rPr lang="es-CL" smtClean="0"/>
-              <a:t>21-05-2022</a:t>
+              <a:t>01-06-2022</a:t>
             </a:fld>
             <a:endParaRPr lang="es-CL"/>
           </a:p>
@@ -3221,7 +3221,7 @@
           <a:p>
             <a:fld id="{2F54806A-FD19-4D27-8662-34B51A723430}" type="datetimeFigureOut">
               <a:rPr lang="es-CL" smtClean="0"/>
-              <a:t>21-05-2022</a:t>
+              <a:t>01-06-2022</a:t>
             </a:fld>
             <a:endParaRPr lang="es-CL"/>
           </a:p>
@@ -3391,7 +3391,7 @@
           <a:p>
             <a:fld id="{2F54806A-FD19-4D27-8662-34B51A723430}" type="datetimeFigureOut">
               <a:rPr lang="es-CL" smtClean="0"/>
-              <a:t>21-05-2022</a:t>
+              <a:t>01-06-2022</a:t>
             </a:fld>
             <a:endParaRPr lang="es-CL"/>
           </a:p>
@@ -3638,7 +3638,7 @@
           <a:p>
             <a:fld id="{2F54806A-FD19-4D27-8662-34B51A723430}" type="datetimeFigureOut">
               <a:rPr lang="es-CL" smtClean="0"/>
-              <a:t>21-05-2022</a:t>
+              <a:t>01-06-2022</a:t>
             </a:fld>
             <a:endParaRPr lang="es-CL"/>
           </a:p>
@@ -3930,7 +3930,7 @@
           <a:p>
             <a:fld id="{2F54806A-FD19-4D27-8662-34B51A723430}" type="datetimeFigureOut">
               <a:rPr lang="es-CL" smtClean="0"/>
-              <a:t>21-05-2022</a:t>
+              <a:t>01-06-2022</a:t>
             </a:fld>
             <a:endParaRPr lang="es-CL"/>
           </a:p>
@@ -4374,7 +4374,7 @@
           <a:p>
             <a:fld id="{2F54806A-FD19-4D27-8662-34B51A723430}" type="datetimeFigureOut">
               <a:rPr lang="es-CL" smtClean="0"/>
-              <a:t>21-05-2022</a:t>
+              <a:t>01-06-2022</a:t>
             </a:fld>
             <a:endParaRPr lang="es-CL"/>
           </a:p>
@@ -4492,7 +4492,7 @@
           <a:p>
             <a:fld id="{2F54806A-FD19-4D27-8662-34B51A723430}" type="datetimeFigureOut">
               <a:rPr lang="es-CL" smtClean="0"/>
-              <a:t>21-05-2022</a:t>
+              <a:t>01-06-2022</a:t>
             </a:fld>
             <a:endParaRPr lang="es-CL"/>
           </a:p>
@@ -4587,7 +4587,7 @@
           <a:p>
             <a:fld id="{2F54806A-FD19-4D27-8662-34B51A723430}" type="datetimeFigureOut">
               <a:rPr lang="es-CL" smtClean="0"/>
-              <a:t>21-05-2022</a:t>
+              <a:t>01-06-2022</a:t>
             </a:fld>
             <a:endParaRPr lang="es-CL"/>
           </a:p>
@@ -4866,7 +4866,7 @@
           <a:p>
             <a:fld id="{2F54806A-FD19-4D27-8662-34B51A723430}" type="datetimeFigureOut">
               <a:rPr lang="es-CL" smtClean="0"/>
-              <a:t>21-05-2022</a:t>
+              <a:t>01-06-2022</a:t>
             </a:fld>
             <a:endParaRPr lang="es-CL"/>
           </a:p>
@@ -5141,7 +5141,7 @@
           <a:p>
             <a:fld id="{2F54806A-FD19-4D27-8662-34B51A723430}" type="datetimeFigureOut">
               <a:rPr lang="es-CL" smtClean="0"/>
-              <a:t>21-05-2022</a:t>
+              <a:t>01-06-2022</a:t>
             </a:fld>
             <a:endParaRPr lang="es-CL"/>
           </a:p>
@@ -5570,7 +5570,7 @@
           <a:p>
             <a:fld id="{2F54806A-FD19-4D27-8662-34B51A723430}" type="datetimeFigureOut">
               <a:rPr lang="es-CL" smtClean="0"/>
-              <a:t>21-05-2022</a:t>
+              <a:t>01-06-2022</a:t>
             </a:fld>
             <a:endParaRPr lang="es-CL"/>
           </a:p>
@@ -6108,51 +6108,33 @@
             <p:ph type="ctrTitle"/>
           </p:nvPr>
         </p:nvSpPr>
-        <p:spPr/>
+        <p:spPr>
+          <a:xfrm>
+            <a:off x="1154955" y="1540476"/>
+            <a:ext cx="8825658" cy="1778808"/>
+          </a:xfrm>
+        </p:spPr>
         <p:txBody>
           <a:bodyPr/>
           <a:lstStyle/>
           <a:p>
-            <a:r>
-              <a:rPr lang="es-MX" dirty="0" err="1" smtClean="0"/>
-              <a:t>Game</a:t>
-            </a:r>
-            <a:r>
-              <a:rPr lang="es-MX" dirty="0" smtClean="0"/>
-              <a:t> </a:t>
-            </a:r>
-            <a:r>
-              <a:rPr lang="es-MX" dirty="0" err="1" smtClean="0"/>
-              <a:t>design</a:t>
-            </a:r>
-            <a:r>
-              <a:rPr lang="es-MX" dirty="0" smtClean="0"/>
-              <a:t> </a:t>
-            </a:r>
-            <a:r>
-              <a:rPr lang="es-MX" dirty="0" err="1" smtClean="0"/>
-              <a:t>document</a:t>
-            </a:r>
-            <a:r>
-              <a:rPr lang="es-MX" dirty="0" smtClean="0"/>
-              <a:t/>
+            <a:pPr algn="ctr"/>
+            <a:r>
+              <a:rPr lang="es-MX" sz="4400" dirty="0" smtClean="0"/>
+              <a:t>Game </a:t>
+            </a:r>
+            <a:r>
+              <a:rPr lang="es-MX" sz="4400" dirty="0" smtClean="0"/>
+              <a:t>design document</a:t>
             </a:r>
             <a:br>
-              <a:rPr lang="es-MX" dirty="0" smtClean="0"/>
+              <a:rPr lang="es-MX" sz="4400" dirty="0" smtClean="0"/>
             </a:br>
             <a:r>
-              <a:rPr lang="es-MX" dirty="0" smtClean="0"/>
-              <a:t>“</a:t>
-            </a:r>
-            <a:r>
-              <a:rPr lang="es-MX" dirty="0" err="1" smtClean="0"/>
-              <a:t>FarmGochi</a:t>
-            </a:r>
-            <a:r>
-              <a:rPr lang="es-MX" dirty="0" smtClean="0"/>
-              <a:t>”</a:t>
-            </a:r>
-            <a:endParaRPr lang="es-CL" dirty="0"/>
+              <a:rPr lang="es-MX" sz="4400" dirty="0" smtClean="0"/>
+              <a:t>“FarmGochi”</a:t>
+            </a:r>
+            <a:endParaRPr lang="es-CL" sz="4400" dirty="0"/>
           </a:p>
         </p:txBody>
       </p:sp>
@@ -6166,7 +6148,12 @@
             <p:ph type="subTitle" idx="1"/>
           </p:nvPr>
         </p:nvSpPr>
-        <p:spPr/>
+        <p:spPr>
+          <a:xfrm>
+            <a:off x="388837" y="5535262"/>
+            <a:ext cx="8825658" cy="861420"/>
+          </a:xfrm>
+        </p:spPr>
         <p:txBody>
           <a:bodyPr>
             <a:normAutofit fontScale="70000" lnSpcReduction="20000"/>
@@ -6273,6 +6260,10 @@
             <a:pPr marL="0" indent="0">
               <a:buNone/>
             </a:pPr>
+            <a:r>
+              <a:rPr lang="es-MX" dirty="0" smtClean="0"/>
+              <a:t>La temática del  juego es animales tiernos, por lo que se construirá el juego sobre esta base.</a:t>
+            </a:r>
             <a:endParaRPr lang="es-CL" dirty="0"/>
           </a:p>
         </p:txBody>
@@ -6347,16 +6338,27 @@
           <a:p>
             <a:r>
               <a:rPr lang="es-MX" dirty="0" smtClean="0"/>
-              <a:t>Niños, principalmente por la estética “</a:t>
+              <a:t>Niños, principalmente por la estética </a:t>
+            </a:r>
+            <a:r>
+              <a:rPr lang="es-MX" dirty="0" smtClean="0"/>
+              <a:t>“Tierna”.</a:t>
+            </a:r>
+          </a:p>
+          <a:p>
+            <a:r>
+              <a:rPr lang="es-MX" dirty="0" smtClean="0"/>
+              <a:t>Jugadores que disfruten los juegos </a:t>
             </a:r>
             <a:r>
               <a:rPr lang="es-MX" dirty="0" err="1" smtClean="0"/>
-              <a:t>Kawaii</a:t>
-            </a:r>
-            <a:r>
-              <a:rPr lang="es-MX" dirty="0" smtClean="0"/>
-              <a:t>”.</a:t>
-            </a:r>
+              <a:t>clickers</a:t>
+            </a:r>
+            <a:r>
+              <a:rPr lang="es-MX" dirty="0"/>
+              <a:t>.</a:t>
+            </a:r>
+            <a:endParaRPr lang="es-MX" dirty="0" smtClean="0"/>
           </a:p>
           <a:p>
             <a:r>
@@ -6429,20 +6431,57 @@
             <p:ph idx="1"/>
           </p:nvPr>
         </p:nvSpPr>
-        <p:spPr/>
+        <p:spPr>
+          <a:xfrm>
+            <a:off x="1103313" y="2052918"/>
+            <a:ext cx="4074996" cy="3319181"/>
+          </a:xfrm>
+        </p:spPr>
         <p:txBody>
           <a:bodyPr/>
           <a:lstStyle/>
           <a:p>
             <a:r>
               <a:rPr lang="es-MX" dirty="0" smtClean="0"/>
-              <a:t>Creado para pc.</a:t>
-            </a:r>
-          </a:p>
-          <a:p>
+              <a:t>Creado </a:t>
+            </a:r>
             <a:r>
               <a:rPr lang="es-MX" dirty="0" smtClean="0"/>
-              <a:t>Creado con </a:t>
+              <a:t>para </a:t>
+            </a:r>
+            <a:r>
+              <a:rPr lang="es-MX" dirty="0"/>
+              <a:t>W</a:t>
+            </a:r>
+            <a:r>
+              <a:rPr lang="es-MX" dirty="0" smtClean="0"/>
+              <a:t>indows.</a:t>
+            </a:r>
+            <a:endParaRPr lang="es-MX" dirty="0" smtClean="0"/>
+          </a:p>
+          <a:p>
+            <a:endParaRPr lang="es-MX" dirty="0" smtClean="0"/>
+          </a:p>
+          <a:p>
+            <a:endParaRPr lang="es-MX" dirty="0"/>
+          </a:p>
+          <a:p>
+            <a:endParaRPr lang="es-MX" dirty="0" smtClean="0"/>
+          </a:p>
+          <a:p>
+            <a:endParaRPr lang="es-MX" dirty="0"/>
+          </a:p>
+          <a:p>
+            <a:endParaRPr lang="es-MX" dirty="0" smtClean="0"/>
+          </a:p>
+          <a:p>
+            <a:r>
+              <a:rPr lang="es-MX" dirty="0" smtClean="0"/>
+              <a:t>Creado </a:t>
+            </a:r>
+            <a:r>
+              <a:rPr lang="es-MX" dirty="0" smtClean="0"/>
+              <a:t>con </a:t>
             </a:r>
             <a:r>
               <a:rPr lang="es-MX" dirty="0" err="1" smtClean="0"/>
@@ -6450,22 +6489,112 @@
             </a:r>
             <a:r>
               <a:rPr lang="es-MX" dirty="0" smtClean="0"/>
-              <a:t> 2020 </a:t>
-            </a:r>
-            <a:r>
-              <a:rPr lang="es-MX" dirty="0" err="1" smtClean="0"/>
-              <a:t>lts</a:t>
+              <a:t> </a:t>
             </a:r>
             <a:r>
               <a:rPr lang="es-MX" dirty="0" smtClean="0"/>
-              <a:t>.</a:t>
+              <a:t>2020.30f1.</a:t>
             </a:r>
           </a:p>
           <a:p>
             <a:endParaRPr lang="es-MX" dirty="0"/>
           </a:p>
-        </p:txBody>
-      </p:sp>
+          <a:p>
+            <a:endParaRPr lang="es-MX" dirty="0" smtClean="0"/>
+          </a:p>
+          <a:p>
+            <a:endParaRPr lang="es-MX" dirty="0"/>
+          </a:p>
+          <a:p>
+            <a:endParaRPr lang="es-MX" dirty="0" smtClean="0"/>
+          </a:p>
+          <a:p>
+            <a:endParaRPr lang="es-MX" dirty="0"/>
+          </a:p>
+        </p:txBody>
+      </p:sp>
+      <p:pic>
+        <p:nvPicPr>
+          <p:cNvPr id="1026" name="Picture 2" descr="unity-logo-black_1280.0 - UNIAT"/>
+          <p:cNvPicPr>
+            <a:picLocks noChangeAspect="1" noChangeArrowheads="1"/>
+          </p:cNvPicPr>
+          <p:nvPr/>
+        </p:nvPicPr>
+        <p:blipFill>
+          <a:blip r:embed="rId2" cstate="print">
+            <a:extLst>
+              <a:ext uri="{28A0092B-C50C-407E-A947-70E740481C1C}">
+                <a14:useLocalDpi xmlns:a14="http://schemas.microsoft.com/office/drawing/2010/main" val="0"/>
+              </a:ext>
+            </a:extLst>
+          </a:blip>
+          <a:srcRect/>
+          <a:stretch>
+            <a:fillRect/>
+          </a:stretch>
+        </p:blipFill>
+        <p:spPr bwMode="auto">
+          <a:xfrm>
+            <a:off x="5348472" y="4121992"/>
+            <a:ext cx="3592642" cy="2020861"/>
+          </a:xfrm>
+          <a:prstGeom prst="rect">
+            <a:avLst/>
+          </a:prstGeom>
+          <a:noFill/>
+          <a:extLst>
+            <a:ext uri="{909E8E84-426E-40DD-AFC4-6F175D3DCCD1}">
+              <a14:hiddenFill xmlns:a14="http://schemas.microsoft.com/office/drawing/2010/main">
+                <a:solidFill>
+                  <a:srgbClr val="FFFFFF"/>
+                </a:solidFill>
+              </a14:hiddenFill>
+            </a:ext>
+          </a:extLst>
+        </p:spPr>
+      </p:pic>
+      <p:pic>
+        <p:nvPicPr>
+          <p:cNvPr id="1028" name="Picture 4" descr="Archivo:Logo windows simples.svg - Wikipedia, la enciclopedia libre"/>
+          <p:cNvPicPr>
+            <a:picLocks noChangeAspect="1" noChangeArrowheads="1"/>
+          </p:cNvPicPr>
+          <p:nvPr/>
+        </p:nvPicPr>
+        <p:blipFill>
+          <a:blip r:embed="rId3" cstate="print">
+            <a:extLst>
+              <a:ext uri="{28A0092B-C50C-407E-A947-70E740481C1C}">
+                <a14:useLocalDpi xmlns:a14="http://schemas.microsoft.com/office/drawing/2010/main" val="0"/>
+              </a:ext>
+            </a:extLst>
+          </a:blip>
+          <a:srcRect/>
+          <a:stretch>
+            <a:fillRect/>
+          </a:stretch>
+        </p:blipFill>
+        <p:spPr bwMode="auto">
+          <a:xfrm>
+            <a:off x="5348472" y="1184373"/>
+            <a:ext cx="2187575" cy="1965172"/>
+          </a:xfrm>
+          <a:prstGeom prst="rect">
+            <a:avLst/>
+          </a:prstGeom>
+          <a:noFill/>
+          <a:extLst>
+            <a:ext uri="{909E8E84-426E-40DD-AFC4-6F175D3DCCD1}">
+              <a14:hiddenFill xmlns:a14="http://schemas.microsoft.com/office/drawing/2010/main">
+                <a:solidFill>
+                  <a:srgbClr val="FFFFFF"/>
+                </a:solidFill>
+              </a14:hiddenFill>
+            </a:ext>
+          </a:extLst>
+        </p:spPr>
+      </p:pic>
     </p:spTree>
     <p:extLst>
       <p:ext uri="{BB962C8B-B14F-4D97-AF65-F5344CB8AC3E}">
@@ -6574,6 +6703,11 @@
               <a:rPr lang="es-MX" dirty="0" smtClean="0"/>
               <a:t>Estos eventos se generan de forma dinámica con objetos como la peineta, </a:t>
             </a:r>
+            <a:r>
+              <a:rPr lang="es-MX" dirty="0" smtClean="0"/>
+              <a:t>la galleta o el  agua.</a:t>
+            </a:r>
+            <a:endParaRPr lang="es-MX" dirty="0" smtClean="0"/>
           </a:p>
           <a:p>
             <a:pPr>
@@ -7013,27 +7147,15 @@
           <a:p>
             <a:r>
               <a:rPr lang="es-MX" dirty="0" smtClean="0"/>
-              <a:t>(open </a:t>
-            </a:r>
-            <a:r>
-              <a:rPr lang="es-MX" dirty="0" err="1" smtClean="0"/>
-              <a:t>game</a:t>
-            </a:r>
-            <a:r>
-              <a:rPr lang="es-MX" dirty="0" smtClean="0"/>
-              <a:t> art </a:t>
-            </a:r>
-            <a:r>
-              <a:rPr lang="es-MX" dirty="0" smtClean="0"/>
-              <a:t>).</a:t>
-            </a:r>
+              <a:t>(http://www.Freepick.com , pixabay.com).</a:t>
+            </a:r>
+            <a:endParaRPr lang="es-MX" dirty="0" smtClean="0"/>
           </a:p>
           <a:p>
             <a:r>
               <a:rPr lang="es-MX" dirty="0" smtClean="0"/>
               <a:t>()</a:t>
             </a:r>
-            <a:endParaRPr lang="es-MX" dirty="0" smtClean="0"/>
           </a:p>
           <a:p>
             <a:endParaRPr lang="es-CL" dirty="0"/>

--- a/Game design document farmGochi.pptx
+++ b/Game design document farmGochi.pptx
@@ -305,7 +305,7 @@
           <a:p>
             <a:fld id="{2F54806A-FD19-4D27-8662-34B51A723430}" type="datetimeFigureOut">
               <a:rPr lang="es-CL" smtClean="0"/>
-              <a:t>01-06-2022</a:t>
+              <a:t>02-06-2022</a:t>
             </a:fld>
             <a:endParaRPr lang="es-CL"/>
           </a:p>
@@ -580,7 +580,7 @@
           <a:p>
             <a:fld id="{2F54806A-FD19-4D27-8662-34B51A723430}" type="datetimeFigureOut">
               <a:rPr lang="es-CL" smtClean="0"/>
-              <a:t>01-06-2022</a:t>
+              <a:t>02-06-2022</a:t>
             </a:fld>
             <a:endParaRPr lang="es-CL"/>
           </a:p>
@@ -774,7 +774,7 @@
           <a:p>
             <a:fld id="{2F54806A-FD19-4D27-8662-34B51A723430}" type="datetimeFigureOut">
               <a:rPr lang="es-CL" smtClean="0"/>
-              <a:t>01-06-2022</a:t>
+              <a:t>02-06-2022</a:t>
             </a:fld>
             <a:endParaRPr lang="es-CL"/>
           </a:p>
@@ -1047,7 +1047,7 @@
           <a:p>
             <a:fld id="{2F54806A-FD19-4D27-8662-34B51A723430}" type="datetimeFigureOut">
               <a:rPr lang="es-CL" smtClean="0"/>
-              <a:t>01-06-2022</a:t>
+              <a:t>02-06-2022</a:t>
             </a:fld>
             <a:endParaRPr lang="es-CL"/>
           </a:p>
@@ -1388,7 +1388,7 @@
           <a:p>
             <a:fld id="{2F54806A-FD19-4D27-8662-34B51A723430}" type="datetimeFigureOut">
               <a:rPr lang="es-CL" smtClean="0"/>
-              <a:t>01-06-2022</a:t>
+              <a:t>02-06-2022</a:t>
             </a:fld>
             <a:endParaRPr lang="es-CL"/>
           </a:p>
@@ -2011,7 +2011,7 @@
           <a:p>
             <a:fld id="{2F54806A-FD19-4D27-8662-34B51A723430}" type="datetimeFigureOut">
               <a:rPr lang="es-CL" smtClean="0"/>
-              <a:t>01-06-2022</a:t>
+              <a:t>02-06-2022</a:t>
             </a:fld>
             <a:endParaRPr lang="es-CL"/>
           </a:p>
@@ -2871,7 +2871,7 @@
           <a:p>
             <a:fld id="{2F54806A-FD19-4D27-8662-34B51A723430}" type="datetimeFigureOut">
               <a:rPr lang="es-CL" smtClean="0"/>
-              <a:t>01-06-2022</a:t>
+              <a:t>02-06-2022</a:t>
             </a:fld>
             <a:endParaRPr lang="es-CL"/>
           </a:p>
@@ -3041,7 +3041,7 @@
           <a:p>
             <a:fld id="{2F54806A-FD19-4D27-8662-34B51A723430}" type="datetimeFigureOut">
               <a:rPr lang="es-CL" smtClean="0"/>
-              <a:t>01-06-2022</a:t>
+              <a:t>02-06-2022</a:t>
             </a:fld>
             <a:endParaRPr lang="es-CL"/>
           </a:p>
@@ -3221,7 +3221,7 @@
           <a:p>
             <a:fld id="{2F54806A-FD19-4D27-8662-34B51A723430}" type="datetimeFigureOut">
               <a:rPr lang="es-CL" smtClean="0"/>
-              <a:t>01-06-2022</a:t>
+              <a:t>02-06-2022</a:t>
             </a:fld>
             <a:endParaRPr lang="es-CL"/>
           </a:p>
@@ -3391,7 +3391,7 @@
           <a:p>
             <a:fld id="{2F54806A-FD19-4D27-8662-34B51A723430}" type="datetimeFigureOut">
               <a:rPr lang="es-CL" smtClean="0"/>
-              <a:t>01-06-2022</a:t>
+              <a:t>02-06-2022</a:t>
             </a:fld>
             <a:endParaRPr lang="es-CL"/>
           </a:p>
@@ -3638,7 +3638,7 @@
           <a:p>
             <a:fld id="{2F54806A-FD19-4D27-8662-34B51A723430}" type="datetimeFigureOut">
               <a:rPr lang="es-CL" smtClean="0"/>
-              <a:t>01-06-2022</a:t>
+              <a:t>02-06-2022</a:t>
             </a:fld>
             <a:endParaRPr lang="es-CL"/>
           </a:p>
@@ -3930,7 +3930,7 @@
           <a:p>
             <a:fld id="{2F54806A-FD19-4D27-8662-34B51A723430}" type="datetimeFigureOut">
               <a:rPr lang="es-CL" smtClean="0"/>
-              <a:t>01-06-2022</a:t>
+              <a:t>02-06-2022</a:t>
             </a:fld>
             <a:endParaRPr lang="es-CL"/>
           </a:p>
@@ -4374,7 +4374,7 @@
           <a:p>
             <a:fld id="{2F54806A-FD19-4D27-8662-34B51A723430}" type="datetimeFigureOut">
               <a:rPr lang="es-CL" smtClean="0"/>
-              <a:t>01-06-2022</a:t>
+              <a:t>02-06-2022</a:t>
             </a:fld>
             <a:endParaRPr lang="es-CL"/>
           </a:p>
@@ -4492,7 +4492,7 @@
           <a:p>
             <a:fld id="{2F54806A-FD19-4D27-8662-34B51A723430}" type="datetimeFigureOut">
               <a:rPr lang="es-CL" smtClean="0"/>
-              <a:t>01-06-2022</a:t>
+              <a:t>02-06-2022</a:t>
             </a:fld>
             <a:endParaRPr lang="es-CL"/>
           </a:p>
@@ -4587,7 +4587,7 @@
           <a:p>
             <a:fld id="{2F54806A-FD19-4D27-8662-34B51A723430}" type="datetimeFigureOut">
               <a:rPr lang="es-CL" smtClean="0"/>
-              <a:t>01-06-2022</a:t>
+              <a:t>02-06-2022</a:t>
             </a:fld>
             <a:endParaRPr lang="es-CL"/>
           </a:p>
@@ -4866,7 +4866,7 @@
           <a:p>
             <a:fld id="{2F54806A-FD19-4D27-8662-34B51A723430}" type="datetimeFigureOut">
               <a:rPr lang="es-CL" smtClean="0"/>
-              <a:t>01-06-2022</a:t>
+              <a:t>02-06-2022</a:t>
             </a:fld>
             <a:endParaRPr lang="es-CL"/>
           </a:p>
@@ -5141,7 +5141,7 @@
           <a:p>
             <a:fld id="{2F54806A-FD19-4D27-8662-34B51A723430}" type="datetimeFigureOut">
               <a:rPr lang="es-CL" smtClean="0"/>
-              <a:t>01-06-2022</a:t>
+              <a:t>02-06-2022</a:t>
             </a:fld>
             <a:endParaRPr lang="es-CL"/>
           </a:p>
@@ -5570,7 +5570,7 @@
           <a:p>
             <a:fld id="{2F54806A-FD19-4D27-8662-34B51A723430}" type="datetimeFigureOut">
               <a:rPr lang="es-CL" smtClean="0"/>
-              <a:t>01-06-2022</a:t>
+              <a:t>02-06-2022</a:t>
             </a:fld>
             <a:endParaRPr lang="es-CL"/>
           </a:p>
@@ -6121,11 +6121,7 @@
             <a:pPr algn="ctr"/>
             <a:r>
               <a:rPr lang="es-MX" sz="4400" dirty="0" smtClean="0"/>
-              <a:t>Game </a:t>
-            </a:r>
-            <a:r>
-              <a:rPr lang="es-MX" sz="4400" dirty="0" smtClean="0"/>
-              <a:t>design document</a:t>
+              <a:t>Game design document</a:t>
             </a:r>
             <a:br>
               <a:rPr lang="es-MX" sz="4400" dirty="0" smtClean="0"/>
@@ -6262,8 +6258,81 @@
             </a:pPr>
             <a:r>
               <a:rPr lang="es-MX" dirty="0" smtClean="0"/>
-              <a:t>La temática del  juego es animales tiernos, por lo que se construirá el juego sobre esta base.</a:t>
-            </a:r>
+              <a:t>La temática del  juego es </a:t>
+            </a:r>
+            <a:r>
+              <a:rPr lang="es-MX" dirty="0" smtClean="0">
+                <a:solidFill>
+                  <a:schemeClr val="accent1"/>
+                </a:solidFill>
+              </a:rPr>
+              <a:t>animales tiernos</a:t>
+            </a:r>
+            <a:r>
+              <a:rPr lang="es-MX" dirty="0" smtClean="0"/>
+              <a:t>, por lo que se construirá el juego sobre esta base</a:t>
+            </a:r>
+            <a:r>
+              <a:rPr lang="es-MX" dirty="0" smtClean="0"/>
+              <a:t>.</a:t>
+            </a:r>
+          </a:p>
+          <a:p>
+            <a:pPr marL="0" indent="0">
+              <a:buNone/>
+            </a:pPr>
+            <a:endParaRPr lang="es-MX" dirty="0" smtClean="0"/>
+          </a:p>
+          <a:p>
+            <a:pPr marL="0" indent="0">
+              <a:buNone/>
+            </a:pPr>
+            <a:r>
+              <a:rPr lang="es-MX" dirty="0" smtClean="0"/>
+              <a:t>     </a:t>
+            </a:r>
+            <a:r>
+              <a:rPr lang="es-MX" dirty="0" smtClean="0">
+                <a:solidFill>
+                  <a:schemeClr val="accent3"/>
+                </a:solidFill>
+              </a:rPr>
+              <a:t>Mascota virtual + Gestión de recursos sencilla.</a:t>
+            </a:r>
+          </a:p>
+          <a:p>
+            <a:pPr marL="0" indent="0">
+              <a:buNone/>
+            </a:pPr>
+            <a:endParaRPr lang="es-MX" dirty="0">
+              <a:solidFill>
+                <a:schemeClr val="accent3"/>
+              </a:solidFill>
+            </a:endParaRPr>
+          </a:p>
+          <a:p>
+            <a:pPr marL="0" indent="0">
+              <a:buNone/>
+            </a:pPr>
+            <a:r>
+              <a:rPr lang="es-MX" dirty="0" smtClean="0">
+                <a:solidFill>
+                  <a:schemeClr val="accent3"/>
+                </a:solidFill>
+              </a:rPr>
+              <a:t>Por lo cual se mezclan dos sistemas en uno.</a:t>
+            </a:r>
+          </a:p>
+          <a:p>
+            <a:pPr marL="0" indent="0">
+              <a:buNone/>
+            </a:pPr>
+            <a:endParaRPr lang="es-MX" dirty="0"/>
+          </a:p>
+          <a:p>
+            <a:pPr marL="0" indent="0">
+              <a:buNone/>
+            </a:pPr>
             <a:endParaRPr lang="es-CL" dirty="0"/>
           </a:p>
         </p:txBody>
@@ -6338,21 +6407,13 @@
           <a:p>
             <a:r>
               <a:rPr lang="es-MX" dirty="0" smtClean="0"/>
-              <a:t>Niños, principalmente por la estética </a:t>
-            </a:r>
+              <a:t>Niños, principalmente por la estética “Tierna”.</a:t>
+            </a:r>
+          </a:p>
+          <a:p>
             <a:r>
               <a:rPr lang="es-MX" dirty="0" smtClean="0"/>
-              <a:t>“Tierna”.</a:t>
-            </a:r>
-          </a:p>
-          <a:p>
-            <a:r>
-              <a:rPr lang="es-MX" dirty="0" smtClean="0"/>
-              <a:t>Jugadores que disfruten los juegos </a:t>
-            </a:r>
-            <a:r>
-              <a:rPr lang="es-MX" dirty="0" err="1" smtClean="0"/>
-              <a:t>clickers</a:t>
+              <a:t>Jugadores que disfruten los juegos clickers</a:t>
             </a:r>
             <a:r>
               <a:rPr lang="es-MX" dirty="0"/>
@@ -6443,11 +6504,7 @@
           <a:p>
             <a:r>
               <a:rPr lang="es-MX" dirty="0" smtClean="0"/>
-              <a:t>Creado </a:t>
-            </a:r>
-            <a:r>
-              <a:rPr lang="es-MX" dirty="0" smtClean="0"/>
-              <a:t>para </a:t>
+              <a:t>Creado para </a:t>
             </a:r>
             <a:r>
               <a:rPr lang="es-MX" dirty="0"/>
@@ -6457,9 +6514,14 @@
               <a:rPr lang="es-MX" dirty="0" smtClean="0"/>
               <a:t>indows.</a:t>
             </a:r>
+          </a:p>
+          <a:p>
             <a:endParaRPr lang="es-MX" dirty="0" smtClean="0"/>
           </a:p>
           <a:p>
+            <a:endParaRPr lang="es-MX" dirty="0"/>
+          </a:p>
+          <a:p>
             <a:endParaRPr lang="es-MX" dirty="0" smtClean="0"/>
           </a:p>
           <a:p>
@@ -6469,31 +6531,9 @@
             <a:endParaRPr lang="es-MX" dirty="0" smtClean="0"/>
           </a:p>
           <a:p>
-            <a:endParaRPr lang="es-MX" dirty="0"/>
-          </a:p>
-          <a:p>
-            <a:endParaRPr lang="es-MX" dirty="0" smtClean="0"/>
-          </a:p>
-          <a:p>
             <a:r>
               <a:rPr lang="es-MX" dirty="0" smtClean="0"/>
-              <a:t>Creado </a:t>
-            </a:r>
-            <a:r>
-              <a:rPr lang="es-MX" dirty="0" smtClean="0"/>
-              <a:t>con </a:t>
-            </a:r>
-            <a:r>
-              <a:rPr lang="es-MX" dirty="0" err="1" smtClean="0"/>
-              <a:t>Unity</a:t>
-            </a:r>
-            <a:r>
-              <a:rPr lang="es-MX" dirty="0" smtClean="0"/>
-              <a:t> </a:t>
-            </a:r>
-            <a:r>
-              <a:rPr lang="es-MX" dirty="0" smtClean="0"/>
-              <a:t>2020.30f1.</a:t>
+              <a:t>Creado con Unity 2020.30f1.</a:t>
             </a:r>
           </a:p>
           <a:p>
@@ -6665,15 +6705,7 @@
           <a:p>
             <a:r>
               <a:rPr lang="es-MX" dirty="0" smtClean="0"/>
-              <a:t>1 </a:t>
-            </a:r>
-            <a:r>
-              <a:rPr lang="es-MX" dirty="0" err="1" smtClean="0"/>
-              <a:t>Tamagochi</a:t>
-            </a:r>
-            <a:r>
-              <a:rPr lang="es-MX" dirty="0" smtClean="0"/>
-              <a:t> (mascota virtual, permite ganar oro por cuidarlo)</a:t>
+              <a:t>1 Tamagochi (mascota virtual, permite ganar oro por cuidarlo)</a:t>
             </a:r>
           </a:p>
           <a:p>
@@ -6683,15 +6715,7 @@
             </a:pPr>
             <a:r>
               <a:rPr lang="es-MX" dirty="0" smtClean="0"/>
-              <a:t>El objetivo del modo </a:t>
-            </a:r>
-            <a:r>
-              <a:rPr lang="es-MX" dirty="0" err="1" smtClean="0"/>
-              <a:t>tamagochi</a:t>
-            </a:r>
-            <a:r>
-              <a:rPr lang="es-MX" dirty="0" smtClean="0"/>
-              <a:t> es mantener al usuario bajo una interacción constante entre mini eventos con el animal y el jugador.</a:t>
+              <a:t>El objetivo del modo tamagochi es mantener al usuario bajo una interacción constante entre mini eventos con el animal y el jugador.</a:t>
             </a:r>
           </a:p>
           <a:p>
@@ -6701,13 +6725,8 @@
             </a:pPr>
             <a:r>
               <a:rPr lang="es-MX" dirty="0" smtClean="0"/>
-              <a:t>Estos eventos se generan de forma dinámica con objetos como la peineta, </a:t>
-            </a:r>
-            <a:r>
-              <a:rPr lang="es-MX" dirty="0" smtClean="0"/>
-              <a:t>la galleta o el  agua.</a:t>
-            </a:r>
-            <a:endParaRPr lang="es-MX" dirty="0" smtClean="0"/>
+              <a:t>Estos eventos se generan de forma dinámica con objetos como la peineta, la galleta o el  agua.</a:t>
+            </a:r>
           </a:p>
           <a:p>
             <a:pPr>
@@ -6719,11 +6738,7 @@
           <a:p>
             <a:r>
               <a:rPr lang="es-MX" dirty="0" smtClean="0"/>
-              <a:t>2 Granja  (permite obtener animales y  oro en la tienda, además de poder obtener </a:t>
-            </a:r>
-            <a:r>
-              <a:rPr lang="es-MX" dirty="0" err="1" smtClean="0"/>
-              <a:t>clicks</a:t>
+              <a:t>2 Granja  (permite obtener animales y  oro en la tienda, además de poder obtener clicks</a:t>
             </a:r>
             <a:r>
               <a:rPr lang="es-MX" dirty="0"/>
@@ -6731,15 +6746,7 @@
             </a:r>
             <a:r>
               <a:rPr lang="es-MX" dirty="0" smtClean="0"/>
-              <a:t>para el modo </a:t>
-            </a:r>
-            <a:r>
-              <a:rPr lang="es-MX" dirty="0" err="1" smtClean="0"/>
-              <a:t>tamagochi</a:t>
-            </a:r>
-            <a:r>
-              <a:rPr lang="es-MX" dirty="0" smtClean="0"/>
-              <a:t>)</a:t>
+              <a:t>para el modo tamagochi)</a:t>
             </a:r>
           </a:p>
           <a:p>
@@ -6818,7 +6825,7 @@
         </p:spPr>
         <p:txBody>
           <a:bodyPr>
-            <a:normAutofit lnSpcReduction="10000"/>
+            <a:normAutofit/>
           </a:bodyPr>
           <a:lstStyle/>
           <a:p>
@@ -6836,8 +6843,53 @@
               <a:t>-Hacer </a:t>
             </a:r>
             <a:r>
-              <a:rPr lang="es-MX" sz="1800" dirty="0" err="1" smtClean="0"/>
-              <a:t>click</a:t>
+              <a:rPr lang="es-MX" sz="1800" dirty="0" smtClean="0"/>
+              <a:t>clic</a:t>
+            </a:r>
+          </a:p>
+          <a:p>
+            <a:pPr marL="0" indent="0">
+              <a:buNone/>
+            </a:pPr>
+            <a:r>
+              <a:rPr lang="es-MX" sz="1800" dirty="0" smtClean="0"/>
+              <a:t>-Alimentar animal</a:t>
+            </a:r>
+          </a:p>
+          <a:p>
+            <a:pPr marL="0" indent="0">
+              <a:buNone/>
+            </a:pPr>
+            <a:r>
+              <a:rPr lang="es-MX" sz="1800" dirty="0" smtClean="0"/>
+              <a:t>-Peinar animal</a:t>
+            </a:r>
+          </a:p>
+          <a:p>
+            <a:pPr marL="0" indent="0">
+              <a:buNone/>
+            </a:pPr>
+            <a:r>
+              <a:rPr lang="es-MX" sz="1800" dirty="0" smtClean="0"/>
+              <a:t>-Dar agua animal</a:t>
+            </a:r>
+          </a:p>
+          <a:p>
+            <a:pPr marL="0" indent="0">
+              <a:buNone/>
+            </a:pPr>
+            <a:r>
+              <a:rPr lang="es-MX" sz="1800" dirty="0" smtClean="0"/>
+              <a:t>-Comprar animal</a:t>
+            </a:r>
+          </a:p>
+          <a:p>
+            <a:pPr marL="0" indent="0">
+              <a:buNone/>
+            </a:pPr>
+            <a:r>
+              <a:rPr lang="es-MX" sz="1800" dirty="0" smtClean="0"/>
+              <a:t>-vender animal</a:t>
             </a:r>
             <a:endParaRPr lang="es-MX" sz="1800" dirty="0" smtClean="0"/>
           </a:p>
@@ -6847,11 +6899,24 @@
             </a:pPr>
             <a:r>
               <a:rPr lang="es-MX" sz="1800" dirty="0" smtClean="0"/>
-              <a:t>-hacer </a:t>
-            </a:r>
-            <a:r>
-              <a:rPr lang="es-MX" sz="1800" dirty="0" err="1" smtClean="0"/>
-              <a:t>scroll</a:t>
+              <a:t>Dinámicas</a:t>
+            </a:r>
+            <a:r>
+              <a:rPr lang="es-MX" sz="1800" dirty="0" smtClean="0"/>
+              <a:t>:</a:t>
+            </a:r>
+          </a:p>
+          <a:p>
+            <a:pPr marL="0" indent="0">
+              <a:buNone/>
+            </a:pPr>
+            <a:r>
+              <a:rPr lang="es-MX" sz="1800" dirty="0" smtClean="0"/>
+              <a:t>1-Hacer </a:t>
+            </a:r>
+            <a:r>
+              <a:rPr lang="es-MX" sz="1800" dirty="0" smtClean="0"/>
+              <a:t>clic varias veces seguidas</a:t>
             </a:r>
             <a:endParaRPr lang="es-MX" sz="1800" dirty="0" smtClean="0"/>
           </a:p>
@@ -6861,7 +6926,7 @@
             </a:pPr>
             <a:r>
               <a:rPr lang="es-MX" sz="1800" dirty="0" smtClean="0"/>
-              <a:t>Dinámicas:</a:t>
+              <a:t>2- Cada mecánica desencadena un mini juego clicker</a:t>
             </a:r>
           </a:p>
           <a:p>
@@ -6870,170 +6935,18 @@
             </a:pPr>
             <a:r>
               <a:rPr lang="es-MX" sz="1800" dirty="0" smtClean="0"/>
-              <a:t>1-Hacer doble </a:t>
-            </a:r>
-            <a:r>
-              <a:rPr lang="es-MX" sz="1800" dirty="0" err="1" smtClean="0"/>
-              <a:t>click</a:t>
+              <a:t>3- a su vez el mini juego aumenta tus estadísticas base.</a:t>
+            </a:r>
+          </a:p>
+          <a:p>
+            <a:pPr marL="0" indent="0">
+              <a:buNone/>
+            </a:pPr>
+            <a:r>
+              <a:rPr lang="es-MX" sz="1800" dirty="0" smtClean="0"/>
+              <a:t>4- </a:t>
             </a:r>
             <a:endParaRPr lang="es-MX" sz="1800" dirty="0" smtClean="0"/>
-          </a:p>
-          <a:p>
-            <a:pPr marL="0" indent="0">
-              <a:buNone/>
-            </a:pPr>
-            <a:r>
-              <a:rPr lang="es-MX" sz="1800" dirty="0" smtClean="0"/>
-              <a:t>2-Variar la velocidad entre </a:t>
-            </a:r>
-            <a:r>
-              <a:rPr lang="es-MX" sz="1800" dirty="0" err="1" smtClean="0"/>
-              <a:t>clicks</a:t>
-            </a:r>
-            <a:r>
-              <a:rPr lang="es-MX" sz="1800" dirty="0" smtClean="0"/>
-              <a:t> para potenciar efectos al hacer </a:t>
-            </a:r>
-            <a:r>
-              <a:rPr lang="es-MX" sz="1800" dirty="0" err="1" smtClean="0"/>
-              <a:t>click</a:t>
-            </a:r>
-            <a:r>
-              <a:rPr lang="es-MX" sz="1800" dirty="0" smtClean="0"/>
-              <a:t> de forma mas precisa</a:t>
-            </a:r>
-          </a:p>
-          <a:p>
-            <a:pPr marL="0" indent="0">
-              <a:buNone/>
-            </a:pPr>
-            <a:r>
-              <a:rPr lang="es-MX" sz="1800" dirty="0" smtClean="0"/>
-              <a:t>3-hacer </a:t>
-            </a:r>
-            <a:r>
-              <a:rPr lang="es-MX" sz="1800" dirty="0" err="1" smtClean="0"/>
-              <a:t>click</a:t>
-            </a:r>
-            <a:r>
-              <a:rPr lang="es-MX" sz="1800" dirty="0" smtClean="0"/>
-              <a:t>, luego arrastrar y soltar( similar al movimiento para cambiar imágenes en la galería)</a:t>
-            </a:r>
-          </a:p>
-          <a:p>
-            <a:pPr marL="0" indent="0">
-              <a:buNone/>
-            </a:pPr>
-            <a:r>
-              <a:rPr lang="es-MX" sz="1800" dirty="0" smtClean="0"/>
-              <a:t>4-Tienes una capacidad limitada para hacer </a:t>
-            </a:r>
-            <a:r>
-              <a:rPr lang="es-MX" sz="1800" dirty="0" err="1" smtClean="0"/>
-              <a:t>clicks</a:t>
-            </a:r>
-            <a:r>
-              <a:rPr lang="es-MX" sz="1800" dirty="0" smtClean="0"/>
-              <a:t>, al llegar a 0 debes ganar más en la granja.</a:t>
-            </a:r>
-          </a:p>
-          <a:p>
-            <a:pPr marL="0" indent="0">
-              <a:buNone/>
-            </a:pPr>
-            <a:r>
-              <a:rPr lang="es-MX" sz="1800" dirty="0" smtClean="0"/>
-              <a:t>5- el </a:t>
-            </a:r>
-            <a:r>
-              <a:rPr lang="es-MX" sz="1800" dirty="0" err="1" smtClean="0"/>
-              <a:t>click</a:t>
-            </a:r>
-            <a:r>
-              <a:rPr lang="es-MX" sz="1800" dirty="0" smtClean="0"/>
-              <a:t> derecho también puede ser usado en eventos  </a:t>
-            </a:r>
-          </a:p>
-          <a:p>
-            <a:pPr marL="0" indent="0">
-              <a:buNone/>
-            </a:pPr>
-            <a:r>
-              <a:rPr lang="es-MX" sz="1800" dirty="0" smtClean="0"/>
-              <a:t>6- hacer </a:t>
-            </a:r>
-            <a:r>
-              <a:rPr lang="es-MX" sz="1800" dirty="0" err="1" smtClean="0"/>
-              <a:t>click</a:t>
-            </a:r>
-            <a:r>
-              <a:rPr lang="es-MX" sz="1800" dirty="0" smtClean="0"/>
-              <a:t> + </a:t>
-            </a:r>
-            <a:r>
-              <a:rPr lang="es-MX" sz="1800" dirty="0" err="1" smtClean="0"/>
-              <a:t>scroll</a:t>
-            </a:r>
-            <a:r>
-              <a:rPr lang="es-MX" sz="1800" dirty="0" smtClean="0"/>
-              <a:t> </a:t>
-            </a:r>
-          </a:p>
-          <a:p>
-            <a:pPr marL="0" indent="0">
-              <a:buNone/>
-            </a:pPr>
-            <a:r>
-              <a:rPr lang="es-MX" sz="1800" dirty="0" smtClean="0"/>
-              <a:t>7- hacer </a:t>
-            </a:r>
-            <a:r>
-              <a:rPr lang="es-MX" sz="1800" dirty="0" err="1" smtClean="0"/>
-              <a:t>scroll</a:t>
-            </a:r>
-            <a:r>
-              <a:rPr lang="es-MX" sz="1800" dirty="0" smtClean="0"/>
-              <a:t> tras un </a:t>
-            </a:r>
-            <a:r>
-              <a:rPr lang="es-MX" sz="1800" dirty="0" err="1" smtClean="0"/>
-              <a:t>click</a:t>
-            </a:r>
-            <a:r>
-              <a:rPr lang="es-MX" sz="1800" dirty="0" smtClean="0"/>
-              <a:t> para ajustar valores en eventos.</a:t>
-            </a:r>
-          </a:p>
-          <a:p>
-            <a:pPr marL="0" indent="0">
-              <a:buNone/>
-            </a:pPr>
-            <a:r>
-              <a:rPr lang="es-MX" sz="1800" dirty="0" smtClean="0"/>
-              <a:t>8- hacer </a:t>
-            </a:r>
-            <a:r>
-              <a:rPr lang="es-MX" sz="1800" dirty="0" err="1" smtClean="0"/>
-              <a:t>click</a:t>
-            </a:r>
-            <a:r>
-              <a:rPr lang="es-MX" sz="1800" dirty="0" smtClean="0"/>
-              <a:t> con </a:t>
-            </a:r>
-            <a:r>
-              <a:rPr lang="es-MX" sz="1800" dirty="0" err="1" smtClean="0"/>
-              <a:t>scroll</a:t>
-            </a:r>
-            <a:r>
-              <a:rPr lang="es-MX" sz="1800" dirty="0" smtClean="0"/>
-              <a:t>?</a:t>
-            </a:r>
-          </a:p>
-          <a:p>
-            <a:pPr marL="0" indent="0">
-              <a:buNone/>
-            </a:pPr>
-            <a:endParaRPr lang="es-CL" sz="2000" dirty="0"/>
           </a:p>
         </p:txBody>
       </p:sp>
@@ -7114,8 +7027,25 @@
           <a:lstStyle/>
           <a:p>
             <a:r>
-              <a:rPr lang="es-MX" dirty="0" err="1" smtClean="0"/>
+              <a:rPr lang="es-MX" dirty="0" smtClean="0"/>
+              <a:t>Iconos de menú tamagochi creados desde 0</a:t>
+            </a:r>
+            <a:endParaRPr lang="es-MX" dirty="0" smtClean="0"/>
+          </a:p>
+          <a:p>
+            <a:r>
+              <a:rPr lang="es-MX" dirty="0" smtClean="0"/>
               <a:t>DoTween</a:t>
+            </a:r>
+          </a:p>
+          <a:p>
+            <a:r>
+              <a:rPr lang="es-MX" dirty="0" smtClean="0"/>
+              <a:t>PostProcessing</a:t>
+            </a:r>
+            <a:r>
+              <a:rPr lang="es-MX" dirty="0"/>
+              <a:t>.</a:t>
             </a:r>
             <a:endParaRPr lang="es-MX" dirty="0" smtClean="0"/>
           </a:p>
@@ -7128,8 +7058,21 @@
           <a:p>
             <a:r>
               <a:rPr lang="es-MX" dirty="0" smtClean="0"/>
-              <a:t>Sonidos y música sin derechos de autor. </a:t>
-            </a:r>
+              <a:t>Sonidos y música sin derechos de </a:t>
+            </a:r>
+            <a:r>
+              <a:rPr lang="es-MX" dirty="0" smtClean="0"/>
+              <a:t>autor desde </a:t>
+            </a:r>
+            <a:r>
+              <a:rPr lang="es-MX" dirty="0" err="1" smtClean="0"/>
+              <a:t>OpenGameArt</a:t>
+            </a:r>
+            <a:r>
+              <a:rPr lang="es-MX" dirty="0" smtClean="0"/>
+              <a:t>. </a:t>
+            </a:r>
+            <a:endParaRPr lang="es-MX" dirty="0" smtClean="0"/>
           </a:p>
           <a:p>
             <a:endParaRPr lang="es-MX" dirty="0" smtClean="0"/>
@@ -7149,13 +7092,25 @@
               <a:rPr lang="es-MX" dirty="0" smtClean="0"/>
               <a:t>(http://www.Freepick.com , pixabay.com).</a:t>
             </a:r>
+          </a:p>
+          <a:p>
+            <a:r>
+              <a:rPr lang="es-MX" dirty="0"/>
+              <a:t>(</a:t>
+            </a:r>
+            <a:r>
+              <a:rPr lang="es-MX" dirty="0">
+                <a:hlinkClick r:id="rId2"/>
+              </a:rPr>
+              <a:t>https://opengameart.org/content/cutie-pie</a:t>
+            </a:r>
+            <a:r>
+              <a:rPr lang="es-MX" dirty="0" smtClean="0"/>
+              <a:t>).</a:t>
+            </a:r>
+          </a:p>
+          <a:p>
             <a:endParaRPr lang="es-MX" dirty="0" smtClean="0"/>
-          </a:p>
-          <a:p>
-            <a:r>
-              <a:rPr lang="es-MX" dirty="0" smtClean="0"/>
-              <a:t>()</a:t>
-            </a:r>
           </a:p>
           <a:p>
             <a:endParaRPr lang="es-CL" dirty="0"/>
@@ -7239,105 +7194,57 @@
           <a:p>
             <a:r>
               <a:rPr lang="es-MX" sz="1600" dirty="0" smtClean="0"/>
-              <a:t>0.Global (entre escenas y con </a:t>
-            </a:r>
-            <a:r>
-              <a:rPr lang="es-MX" sz="1600" dirty="0" err="1" smtClean="0"/>
-              <a:t>singleton</a:t>
-            </a:r>
+              <a:t> Escenas:</a:t>
+            </a:r>
+          </a:p>
+          <a:p>
             <a:r>
               <a:rPr lang="es-MX" sz="1600" dirty="0" smtClean="0"/>
-              <a:t>)</a:t>
+              <a:t>0. Escena introducción</a:t>
             </a:r>
           </a:p>
           <a:p>
             <a:r>
               <a:rPr lang="es-MX" sz="1600" dirty="0" smtClean="0"/>
-              <a:t>-</a:t>
-            </a:r>
-            <a:r>
-              <a:rPr lang="es-MX" sz="1600" dirty="0" err="1" smtClean="0"/>
-              <a:t>GameManager.cs</a:t>
-            </a:r>
+              <a:t>1. Escena Tamagochi</a:t>
+            </a:r>
+            <a:endParaRPr lang="es-MX" sz="1600" dirty="0" smtClean="0"/>
+          </a:p>
+          <a:p>
             <a:r>
               <a:rPr lang="es-MX" sz="1600" dirty="0" smtClean="0"/>
-              <a:t> = contiene la partida guardada, además permite cargar y guardar datos</a:t>
-            </a:r>
-          </a:p>
-          <a:p>
+              <a:t>2</a:t>
+            </a:r>
             <a:r>
               <a:rPr lang="es-MX" sz="1600" dirty="0" smtClean="0"/>
-              <a:t>-</a:t>
-            </a:r>
-            <a:r>
-              <a:rPr lang="es-MX" sz="1600" dirty="0" err="1" smtClean="0"/>
-              <a:t>TimeSystem</a:t>
+              <a:t>. </a:t>
             </a:r>
             <a:r>
               <a:rPr lang="es-MX" sz="1600" dirty="0" smtClean="0"/>
-              <a:t> =&gt; obtiene la hora del pc para cambiar el fondo  y la </a:t>
-            </a:r>
-            <a:r>
-              <a:rPr lang="es-MX" sz="1600" dirty="0" err="1" smtClean="0"/>
-              <a:t>ui</a:t>
-            </a:r>
+              <a:t>Granja </a:t>
+            </a:r>
+            <a:r>
+              <a:rPr lang="es-MX" sz="1600" dirty="0" smtClean="0"/>
+              <a:t>farmeo</a:t>
+            </a:r>
+          </a:p>
+          <a:p>
+            <a:endParaRPr lang="es-MX" sz="1600" dirty="0"/>
+          </a:p>
+          <a:p>
             <a:endParaRPr lang="es-MX" sz="1600" dirty="0" smtClean="0"/>
           </a:p>
           <a:p>
             <a:r>
               <a:rPr lang="es-MX" sz="1600" dirty="0" smtClean="0"/>
-              <a:t>1. </a:t>
-            </a:r>
-            <a:r>
-              <a:rPr lang="es-MX" sz="1600" dirty="0" err="1" smtClean="0"/>
-              <a:t>Tamagochi</a:t>
-            </a:r>
-            <a:endParaRPr lang="es-MX" sz="1600" dirty="0" smtClean="0"/>
-          </a:p>
-          <a:p>
-            <a:r>
-              <a:rPr lang="es-MX" sz="1600" dirty="0" smtClean="0"/>
-              <a:t>-</a:t>
-            </a:r>
-            <a:r>
-              <a:rPr lang="es-MX" sz="1600" dirty="0" err="1" smtClean="0"/>
-              <a:t>TamagochiSystem.cs</a:t>
-            </a:r>
-            <a:r>
-              <a:rPr lang="es-MX" sz="1600" dirty="0" smtClean="0"/>
-              <a:t>()</a:t>
-            </a:r>
-          </a:p>
-          <a:p>
-            <a:r>
-              <a:rPr lang="es-MX" sz="1600" dirty="0" smtClean="0"/>
-              <a:t>-</a:t>
-            </a:r>
-            <a:r>
-              <a:rPr lang="es-MX" sz="1600" dirty="0" err="1" smtClean="0"/>
-              <a:t>Personaje.cs</a:t>
-            </a:r>
-            <a:r>
-              <a:rPr lang="es-MX" sz="1600" dirty="0" smtClean="0"/>
-              <a:t> (contiene a la mascota en pantalla)</a:t>
-            </a:r>
-            <a:endParaRPr lang="es-MX" sz="1600" dirty="0"/>
-          </a:p>
-          <a:p>
-            <a:endParaRPr lang="es-MX" sz="1600" dirty="0" smtClean="0"/>
-          </a:p>
-          <a:p>
-            <a:endParaRPr lang="es-MX" sz="1600" dirty="0" smtClean="0"/>
-          </a:p>
-          <a:p>
-            <a:r>
-              <a:rPr lang="es-MX" sz="1600" dirty="0" smtClean="0"/>
-              <a:t>2. Granja </a:t>
-            </a:r>
-            <a:r>
-              <a:rPr lang="es-MX" sz="1600" dirty="0" err="1" smtClean="0"/>
-              <a:t>farmeo</a:t>
-            </a:r>
+              <a:t>La carpeta del proyecto pesa </a:t>
+            </a:r>
+            <a:r>
+              <a:rPr lang="es-MX" sz="1600" smtClean="0"/>
+              <a:t>860 megabytes.</a:t>
+            </a:r>
+          </a:p>
+          <a:p>
             <a:endParaRPr lang="es-CL" sz="1600" dirty="0"/>
           </a:p>
         </p:txBody>
